--- a/JavaScript/Slide/Chapter 8_How to work with control statements.pptx
+++ b/JavaScript/Slide/Chapter 8_How to work with control statements.pptx
@@ -253,6 +253,71 @@
 </p:presentation>
 </file>
 
+<file path=ppt/commentAuthors.xml><?xml version="1.0" encoding="utf-8"?>
+<p:cmAuthorLst xmlns:a="http://schemas.openxmlformats.org/drawingml/2006/main" xmlns:r="http://schemas.openxmlformats.org/officeDocument/2006/relationships" xmlns:p="http://schemas.openxmlformats.org/presentationml/2006/main">
+  <p:cmAuthor id="1" name="Pdviet5073" initials="P" lastIdx="4" clrIdx="0">
+    <p:extLst>
+      <p:ext uri="{19B8F6BF-5375-455C-9EA6-DF929625EA0E}">
+        <p15:presenceInfo xmlns:p15="http://schemas.microsoft.com/office/powerpoint/2012/main" userId="Pdviet5073" providerId="None"/>
+      </p:ext>
+    </p:extLst>
+  </p:cmAuthor>
+</p:cmAuthorLst>
+</file>
+
+<file path=ppt/comments/comment1.xml><?xml version="1.0" encoding="utf-8"?>
+<p:cmLst xmlns:a="http://schemas.openxmlformats.org/drawingml/2006/main" xmlns:r="http://schemas.openxmlformats.org/officeDocument/2006/relationships" xmlns:p="http://schemas.openxmlformats.org/presentationml/2006/main">
+  <p:cm authorId="1" dt="2020-06-15T20:15:29.821" idx="1">
+    <p:pos x="10" y="10"/>
+    <p:text>null: chưa đc khởi tạo</p:text>
+    <p:extLst>
+      <p:ext uri="{C676402C-5697-4E1C-873F-D02D1690AC5C}">
+        <p15:threadingInfo xmlns:p15="http://schemas.microsoft.com/office/powerpoint/2012/main" timeZoneBias="-420"/>
+      </p:ext>
+    </p:extLst>
+  </p:cm>
+  <p:cm authorId="1" dt="2020-06-15T20:16:07.773" idx="2">
+    <p:pos x="10" y="106"/>
+    <p:text>undefined: chưa được khai báo</p:text>
+    <p:extLst>
+      <p:ext uri="{C676402C-5697-4E1C-873F-D02D1690AC5C}">
+        <p15:threadingInfo xmlns:p15="http://schemas.microsoft.com/office/powerpoint/2012/main" timeZoneBias="-420">
+          <p15:parentCm authorId="1" idx="1"/>
+        </p15:threadingInfo>
+      </p:ext>
+    </p:extLst>
+  </p:cm>
+</p:cmLst>
+</file>
+
+<file path=ppt/comments/comment2.xml><?xml version="1.0" encoding="utf-8"?>
+<p:cmLst xmlns:a="http://schemas.openxmlformats.org/drawingml/2006/main" xmlns:r="http://schemas.openxmlformats.org/officeDocument/2006/relationships" xmlns:p="http://schemas.openxmlformats.org/presentationml/2006/main">
+  <p:cm authorId="1" dt="2020-06-15T20:25:52.079" idx="3">
+    <p:pos x="10" y="10"/>
+    <p:text>1 trong 2 vế có number hoặc " " hoặc boolean thì sẽ convert sang number. ko có thì ko convert</p:text>
+    <p:extLst>
+      <p:ext uri="{C676402C-5697-4E1C-873F-D02D1690AC5C}">
+        <p15:threadingInfo xmlns:p15="http://schemas.microsoft.com/office/powerpoint/2012/main" timeZoneBias="-420"/>
+      </p:ext>
+    </p:extLst>
+  </p:cm>
+</p:cmLst>
+</file>
+
+<file path=ppt/comments/comment3.xml><?xml version="1.0" encoding="utf-8"?>
+<p:cmLst xmlns:a="http://schemas.openxmlformats.org/drawingml/2006/main" xmlns:r="http://schemas.openxmlformats.org/officeDocument/2006/relationships" xmlns:p="http://schemas.openxmlformats.org/presentationml/2006/main">
+  <p:cm authorId="1" dt="2020-06-15T20:27:43.463" idx="4">
+    <p:pos x="10" y="10"/>
+    <p:text>!isNaN: trả về true nếu là number, false nếu là text</p:text>
+    <p:extLst>
+      <p:ext uri="{C676402C-5697-4E1C-873F-D02D1690AC5C}">
+        <p15:threadingInfo xmlns:p15="http://schemas.microsoft.com/office/powerpoint/2012/main" timeZoneBias="-420"/>
+      </p:ext>
+    </p:extLst>
+  </p:cm>
+</p:cmLst>
+</file>
+
 <file path=ppt/notesMasters/notesMaster1.xml><?xml version="1.0" encoding="utf-8"?>
 <p:notesMaster xmlns:a="http://schemas.openxmlformats.org/drawingml/2006/main" xmlns:r="http://schemas.openxmlformats.org/officeDocument/2006/relationships" xmlns:p="http://schemas.openxmlformats.org/presentationml/2006/main">
   <p:cSld>
@@ -336,7 +401,7 @@
             <a:fld id="{524DC8F9-1DCD-4754-A44C-6EBB62BDA97B}" type="datetimeFigureOut">
               <a:rPr lang="en-US" smtClean="0"/>
               <a:pPr/>
-              <a:t>12/22/2019</a:t>
+              <a:t>6/15/2020</a:t>
             </a:fld>
             <a:endParaRPr lang="en-US"/>
           </a:p>
@@ -1231,114 +1296,9 @@
         </p:nvSpPr>
         <p:spPr/>
         <p:txBody>
-          <a:bodyPr>
-            <a:normAutofit/>
-          </a:bodyPr>
+          <a:bodyPr/>
           <a:lstStyle/>
           <a:p>
-            <a:r>
-              <a:rPr lang="en-US" dirty="0" smtClean="0"/>
-              <a:t>Session:</a:t>
-            </a:r>
-            <a:r>
-              <a:rPr lang="en-US" baseline="0" dirty="0" smtClean="0"/>
-              <a:t> </a:t>
-            </a:r>
-            <a:r>
-              <a:rPr lang="en-US" baseline="0" dirty="0" err="1" smtClean="0"/>
-              <a:t>Ghi</a:t>
-            </a:r>
-            <a:r>
-              <a:rPr lang="en-US" baseline="0" dirty="0" smtClean="0"/>
-              <a:t> </a:t>
-            </a:r>
-            <a:r>
-              <a:rPr lang="en-US" baseline="0" dirty="0" err="1" smtClean="0"/>
-              <a:t>số</a:t>
-            </a:r>
-            <a:r>
-              <a:rPr lang="en-US" baseline="0" dirty="0" smtClean="0"/>
-              <a:t> </a:t>
-            </a:r>
-            <a:r>
-              <a:rPr lang="en-US" baseline="0" dirty="0" err="1" smtClean="0"/>
-              <a:t>thứ</a:t>
-            </a:r>
-            <a:r>
-              <a:rPr lang="en-US" baseline="0" dirty="0" smtClean="0"/>
-              <a:t> </a:t>
-            </a:r>
-            <a:r>
-              <a:rPr lang="en-US" baseline="0" dirty="0" err="1" smtClean="0"/>
-              <a:t>tự</a:t>
-            </a:r>
-            <a:r>
-              <a:rPr lang="en-US" baseline="0" dirty="0" smtClean="0"/>
-              <a:t> session </a:t>
-            </a:r>
-            <a:r>
-              <a:rPr lang="en-US" baseline="0" dirty="0" err="1" smtClean="0"/>
-              <a:t>trong</a:t>
-            </a:r>
-            <a:r>
-              <a:rPr lang="en-US" baseline="0" dirty="0" smtClean="0"/>
-              <a:t> </a:t>
-            </a:r>
-            <a:r>
-              <a:rPr lang="en-US" baseline="0" dirty="0" err="1" smtClean="0"/>
-              <a:t>môn</a:t>
-            </a:r>
-            <a:r>
-              <a:rPr lang="en-US" baseline="0" dirty="0" smtClean="0"/>
-              <a:t> </a:t>
-            </a:r>
-            <a:r>
-              <a:rPr lang="en-US" baseline="0" dirty="0" err="1" smtClean="0"/>
-              <a:t>học</a:t>
-            </a:r>
-            <a:endParaRPr lang="en-US" baseline="0" dirty="0" smtClean="0"/>
-          </a:p>
-          <a:p>
-            <a:r>
-              <a:rPr lang="en-US" baseline="0" dirty="0" smtClean="0"/>
-              <a:t>Session Name: </a:t>
-            </a:r>
-            <a:r>
-              <a:rPr lang="en-US" baseline="0" dirty="0" err="1" smtClean="0"/>
-              <a:t>ghi</a:t>
-            </a:r>
-            <a:r>
-              <a:rPr lang="en-US" baseline="0" dirty="0" smtClean="0"/>
-              <a:t> </a:t>
-            </a:r>
-            <a:r>
-              <a:rPr lang="en-US" baseline="0" dirty="0" err="1" smtClean="0"/>
-              <a:t>tên</a:t>
-            </a:r>
-            <a:r>
-              <a:rPr lang="en-US" baseline="0" dirty="0" smtClean="0"/>
-              <a:t> </a:t>
-            </a:r>
-            <a:r>
-              <a:rPr lang="en-US" baseline="0" dirty="0" err="1" smtClean="0"/>
-              <a:t>của</a:t>
-            </a:r>
-            <a:r>
-              <a:rPr lang="en-US" baseline="0" dirty="0" smtClean="0"/>
-              <a:t> session </a:t>
-            </a:r>
-            <a:r>
-              <a:rPr lang="en-US" baseline="0" dirty="0" err="1" smtClean="0"/>
-              <a:t>sẽ</a:t>
-            </a:r>
-            <a:r>
-              <a:rPr lang="en-US" baseline="0" dirty="0" smtClean="0"/>
-              <a:t> </a:t>
-            </a:r>
-            <a:r>
-              <a:rPr lang="en-US" baseline="0" dirty="0" err="1" smtClean="0"/>
-              <a:t>dạy</a:t>
-            </a:r>
             <a:endParaRPr lang="en-US" dirty="0"/>
           </a:p>
         </p:txBody>
@@ -1361,7 +1321,7 @@
             <a:fld id="{C8AC33F9-044C-4B38-8B6C-236C15A0E77C}" type="slidenum">
               <a:rPr lang="en-US" smtClean="0"/>
               <a:pPr/>
-              <a:t>11</a:t>
+              <a:t>6</a:t>
             </a:fld>
             <a:endParaRPr lang="en-US"/>
           </a:p>
@@ -1370,7 +1330,7 @@
     </p:spTree>
     <p:extLst>
       <p:ext uri="{BB962C8B-B14F-4D97-AF65-F5344CB8AC3E}">
-        <p14:creationId xmlns:p14="http://schemas.microsoft.com/office/powerpoint/2010/main" val="6263989"/>
+        <p14:creationId xmlns:p14="http://schemas.microsoft.com/office/powerpoint/2010/main" val="529190672"/>
       </p:ext>
     </p:extLst>
   </p:cSld>
@@ -1551,7 +1511,7 @@
             <a:fld id="{C8AC33F9-044C-4B38-8B6C-236C15A0E77C}" type="slidenum">
               <a:rPr lang="en-US" smtClean="0"/>
               <a:pPr/>
-              <a:t>21</a:t>
+              <a:t>11</a:t>
             </a:fld>
             <a:endParaRPr lang="en-US"/>
           </a:p>
@@ -1560,7 +1520,7 @@
     </p:spTree>
     <p:extLst>
       <p:ext uri="{BB962C8B-B14F-4D97-AF65-F5344CB8AC3E}">
-        <p14:creationId xmlns:p14="http://schemas.microsoft.com/office/powerpoint/2010/main" val="4195786748"/>
+        <p14:creationId xmlns:p14="http://schemas.microsoft.com/office/powerpoint/2010/main" val="6263989"/>
       </p:ext>
     </p:extLst>
   </p:cSld>
@@ -1741,7 +1701,7 @@
             <a:fld id="{C8AC33F9-044C-4B38-8B6C-236C15A0E77C}" type="slidenum">
               <a:rPr lang="en-US" smtClean="0"/>
               <a:pPr/>
-              <a:t>26</a:t>
+              <a:t>21</a:t>
             </a:fld>
             <a:endParaRPr lang="en-US"/>
           </a:p>
@@ -1750,7 +1710,7 @@
     </p:spTree>
     <p:extLst>
       <p:ext uri="{BB962C8B-B14F-4D97-AF65-F5344CB8AC3E}">
-        <p14:creationId xmlns:p14="http://schemas.microsoft.com/office/powerpoint/2010/main" val="2108118360"/>
+        <p14:creationId xmlns:p14="http://schemas.microsoft.com/office/powerpoint/2010/main" val="4195786748"/>
       </p:ext>
     </p:extLst>
   </p:cSld>
@@ -1801,6 +1761,196 @@
         </p:nvSpPr>
         <p:spPr/>
         <p:txBody>
+          <a:bodyPr>
+            <a:normAutofit/>
+          </a:bodyPr>
+          <a:lstStyle/>
+          <a:p>
+            <a:r>
+              <a:rPr lang="en-US" dirty="0" smtClean="0"/>
+              <a:t>Session:</a:t>
+            </a:r>
+            <a:r>
+              <a:rPr lang="en-US" baseline="0" dirty="0" smtClean="0"/>
+              <a:t> </a:t>
+            </a:r>
+            <a:r>
+              <a:rPr lang="en-US" baseline="0" dirty="0" err="1" smtClean="0"/>
+              <a:t>Ghi</a:t>
+            </a:r>
+            <a:r>
+              <a:rPr lang="en-US" baseline="0" dirty="0" smtClean="0"/>
+              <a:t> </a:t>
+            </a:r>
+            <a:r>
+              <a:rPr lang="en-US" baseline="0" dirty="0" err="1" smtClean="0"/>
+              <a:t>số</a:t>
+            </a:r>
+            <a:r>
+              <a:rPr lang="en-US" baseline="0" dirty="0" smtClean="0"/>
+              <a:t> </a:t>
+            </a:r>
+            <a:r>
+              <a:rPr lang="en-US" baseline="0" dirty="0" err="1" smtClean="0"/>
+              <a:t>thứ</a:t>
+            </a:r>
+            <a:r>
+              <a:rPr lang="en-US" baseline="0" dirty="0" smtClean="0"/>
+              <a:t> </a:t>
+            </a:r>
+            <a:r>
+              <a:rPr lang="en-US" baseline="0" dirty="0" err="1" smtClean="0"/>
+              <a:t>tự</a:t>
+            </a:r>
+            <a:r>
+              <a:rPr lang="en-US" baseline="0" dirty="0" smtClean="0"/>
+              <a:t> session </a:t>
+            </a:r>
+            <a:r>
+              <a:rPr lang="en-US" baseline="0" dirty="0" err="1" smtClean="0"/>
+              <a:t>trong</a:t>
+            </a:r>
+            <a:r>
+              <a:rPr lang="en-US" baseline="0" dirty="0" smtClean="0"/>
+              <a:t> </a:t>
+            </a:r>
+            <a:r>
+              <a:rPr lang="en-US" baseline="0" dirty="0" err="1" smtClean="0"/>
+              <a:t>môn</a:t>
+            </a:r>
+            <a:r>
+              <a:rPr lang="en-US" baseline="0" dirty="0" smtClean="0"/>
+              <a:t> </a:t>
+            </a:r>
+            <a:r>
+              <a:rPr lang="en-US" baseline="0" dirty="0" err="1" smtClean="0"/>
+              <a:t>học</a:t>
+            </a:r>
+            <a:endParaRPr lang="en-US" baseline="0" dirty="0" smtClean="0"/>
+          </a:p>
+          <a:p>
+            <a:r>
+              <a:rPr lang="en-US" baseline="0" dirty="0" smtClean="0"/>
+              <a:t>Session Name: </a:t>
+            </a:r>
+            <a:r>
+              <a:rPr lang="en-US" baseline="0" dirty="0" err="1" smtClean="0"/>
+              <a:t>ghi</a:t>
+            </a:r>
+            <a:r>
+              <a:rPr lang="en-US" baseline="0" dirty="0" smtClean="0"/>
+              <a:t> </a:t>
+            </a:r>
+            <a:r>
+              <a:rPr lang="en-US" baseline="0" dirty="0" err="1" smtClean="0"/>
+              <a:t>tên</a:t>
+            </a:r>
+            <a:r>
+              <a:rPr lang="en-US" baseline="0" dirty="0" smtClean="0"/>
+              <a:t> </a:t>
+            </a:r>
+            <a:r>
+              <a:rPr lang="en-US" baseline="0" dirty="0" err="1" smtClean="0"/>
+              <a:t>của</a:t>
+            </a:r>
+            <a:r>
+              <a:rPr lang="en-US" baseline="0" dirty="0" smtClean="0"/>
+              <a:t> session </a:t>
+            </a:r>
+            <a:r>
+              <a:rPr lang="en-US" baseline="0" dirty="0" err="1" smtClean="0"/>
+              <a:t>sẽ</a:t>
+            </a:r>
+            <a:r>
+              <a:rPr lang="en-US" baseline="0" dirty="0" smtClean="0"/>
+              <a:t> </a:t>
+            </a:r>
+            <a:r>
+              <a:rPr lang="en-US" baseline="0" dirty="0" err="1" smtClean="0"/>
+              <a:t>dạy</a:t>
+            </a:r>
+            <a:endParaRPr lang="en-US" dirty="0"/>
+          </a:p>
+        </p:txBody>
+      </p:sp>
+      <p:sp>
+        <p:nvSpPr>
+          <p:cNvPr id="4" name="Slide Number Placeholder 3"/>
+          <p:cNvSpPr>
+            <a:spLocks noGrp="1"/>
+          </p:cNvSpPr>
+          <p:nvPr>
+            <p:ph type="sldNum" sz="quarter" idx="10"/>
+          </p:nvPr>
+        </p:nvSpPr>
+        <p:spPr/>
+        <p:txBody>
+          <a:bodyPr/>
+          <a:lstStyle/>
+          <a:p>
+            <a:fld id="{C8AC33F9-044C-4B38-8B6C-236C15A0E77C}" type="slidenum">
+              <a:rPr lang="en-US" smtClean="0"/>
+              <a:pPr/>
+              <a:t>26</a:t>
+            </a:fld>
+            <a:endParaRPr lang="en-US"/>
+          </a:p>
+        </p:txBody>
+      </p:sp>
+    </p:spTree>
+    <p:extLst>
+      <p:ext uri="{BB962C8B-B14F-4D97-AF65-F5344CB8AC3E}">
+        <p14:creationId xmlns:p14="http://schemas.microsoft.com/office/powerpoint/2010/main" val="2108118360"/>
+      </p:ext>
+    </p:extLst>
+  </p:cSld>
+  <p:clrMapOvr>
+    <a:masterClrMapping/>
+  </p:clrMapOvr>
+</p:notes>
+</file>
+
+<file path=ppt/notesSlides/notesSlide8.xml><?xml version="1.0" encoding="utf-8"?>
+<p:notes xmlns:a="http://schemas.openxmlformats.org/drawingml/2006/main" xmlns:r="http://schemas.openxmlformats.org/officeDocument/2006/relationships" xmlns:p="http://schemas.openxmlformats.org/presentationml/2006/main">
+  <p:cSld>
+    <p:spTree>
+      <p:nvGrpSpPr>
+        <p:cNvPr id="1" name=""/>
+        <p:cNvGrpSpPr/>
+        <p:nvPr/>
+      </p:nvGrpSpPr>
+      <p:grpSpPr>
+        <a:xfrm>
+          <a:off x="0" y="0"/>
+          <a:ext cx="0" cy="0"/>
+          <a:chOff x="0" y="0"/>
+          <a:chExt cx="0" cy="0"/>
+        </a:xfrm>
+      </p:grpSpPr>
+      <p:sp>
+        <p:nvSpPr>
+          <p:cNvPr id="2" name="Slide Image Placeholder 1"/>
+          <p:cNvSpPr>
+            <a:spLocks noGrp="1" noRot="1" noChangeAspect="1"/>
+          </p:cNvSpPr>
+          <p:nvPr>
+            <p:ph type="sldImg"/>
+          </p:nvPr>
+        </p:nvSpPr>
+        <p:spPr/>
+      </p:sp>
+      <p:sp>
+        <p:nvSpPr>
+          <p:cNvPr id="3" name="Notes Placeholder 2"/>
+          <p:cNvSpPr>
+            <a:spLocks noGrp="1"/>
+          </p:cNvSpPr>
+          <p:nvPr>
+            <p:ph type="body" idx="1"/>
+          </p:nvPr>
+        </p:nvSpPr>
+        <p:spPr/>
+        <p:txBody>
           <a:bodyPr/>
           <a:lstStyle/>
           <a:p>
@@ -1853,7 +2003,7 @@
 </p:notes>
 </file>
 
-<file path=ppt/notesSlides/notesSlide8.xml><?xml version="1.0" encoding="utf-8"?>
+<file path=ppt/notesSlides/notesSlide9.xml><?xml version="1.0" encoding="utf-8"?>
 <p:notes xmlns:a="http://schemas.openxmlformats.org/drawingml/2006/main" xmlns:r="http://schemas.openxmlformats.org/officeDocument/2006/relationships" xmlns:p="http://schemas.openxmlformats.org/presentationml/2006/main">
   <p:cSld>
     <p:spTree>
@@ -9762,7 +9912,7 @@
           <p:nvPr/>
         </p:nvPicPr>
         <p:blipFill>
-          <a:blip r:embed="rId2"/>
+          <a:blip r:embed="rId3"/>
           <a:stretch>
             <a:fillRect/>
           </a:stretch>
@@ -10019,7 +10169,7 @@
         </p:blipFill>
         <p:spPr>
           <a:xfrm>
-            <a:off x="876300" y="1417638"/>
+            <a:off x="990600" y="1417638"/>
             <a:ext cx="7391400" cy="4468954"/>
           </a:xfrm>
           <a:prstGeom prst="rect">
